--- a/images/src/image9.pptx
+++ b/images/src/image9.pptx
@@ -3474,7 +3474,7 @@
         </p:nvSpPr>
         <p:spPr>
           <a:xfrm>
-            <a:off x="8429239" y="20076"/>
+            <a:off x="8501434" y="20076"/>
             <a:ext cx="522254" cy="276999"/>
           </a:xfrm>
           <a:prstGeom prst="rect">
@@ -4164,7 +4164,7 @@
         </p:nvCxnSpPr>
         <p:spPr>
           <a:xfrm flipV="1">
-            <a:off x="9560982" y="2349094"/>
+            <a:off x="9580489" y="2296654"/>
             <a:ext cx="824089" cy="343872"/>
           </a:xfrm>
           <a:prstGeom prst="line">
@@ -4202,7 +4202,7 @@
         </p:nvCxnSpPr>
         <p:spPr>
           <a:xfrm flipV="1">
-            <a:off x="9268602" y="3760894"/>
+            <a:off x="9346565" y="3736842"/>
             <a:ext cx="965200" cy="552026"/>
           </a:xfrm>
           <a:prstGeom prst="line">
@@ -6368,8 +6368,8 @@
         </p:nvSpPr>
         <p:spPr>
           <a:xfrm>
-            <a:off x="9122711" y="4211745"/>
-            <a:ext cx="217205" cy="220163"/>
+            <a:off x="9122711" y="4219553"/>
+            <a:ext cx="217205" cy="212355"/>
           </a:xfrm>
           <a:prstGeom prst="rect">
             <a:avLst/>
